--- a/Submissions/matt.dunman@gmail.com/SIS Challenge Report - Dunman.pptx
+++ b/Submissions/matt.dunman@gmail.com/SIS Challenge Report - Dunman.pptx
@@ -4075,7 +4075,7 @@
             </a:r>
           </a:p>
           <a:p>
-            <a:endParaRPr lang="en-US" dirty="0"/>
+            <a:endParaRPr lang="en-US" sz="1200" dirty="0"/>
           </a:p>
           <a:p>
             <a:r>
@@ -4092,7 +4092,7 @@
           </a:p>
           <a:p>
             <a:pPr lvl="1"/>
-            <a:endParaRPr lang="en-US" dirty="0"/>
+            <a:endParaRPr lang="en-US" sz="1200" dirty="0"/>
           </a:p>
           <a:p>
             <a:r>
@@ -4378,7 +4378,7 @@
           </a:p>
           <a:p>
             <a:pPr lvl="1"/>
-            <a:endParaRPr lang="en-US" dirty="0"/>
+            <a:endParaRPr lang="en-US" sz="1300" dirty="0"/>
           </a:p>
           <a:p>
             <a:r>
@@ -4537,7 +4537,7 @@
             </a:r>
           </a:p>
           <a:p>
-            <a:endParaRPr lang="en-US" dirty="0"/>
+            <a:endParaRPr lang="en-US" sz="1200" dirty="0"/>
           </a:p>
           <a:p>
             <a:r>
@@ -5230,7 +5230,7 @@
           <a:p>
             <a:r>
               <a:rPr lang="en-US" dirty="0"/>
-              <a:t>Adjusting the analysis</a:t>
+              <a:t>Halftime adjustments</a:t>
             </a:r>
           </a:p>
         </p:txBody>
@@ -5272,52 +5272,52 @@
             <a:pPr lvl="1"/>
             <a:r>
               <a:rPr lang="en-US" dirty="0"/>
-              <a:t>What about the quality of opponents? How to isolate an individual’s contribution in a team sport? What about pass vs rush plays?</a:t>
+              <a:t>An average player could have inflated EPA stats because their opposition is weak or the teammates around them are great</a:t>
+            </a:r>
+          </a:p>
+          <a:p>
+            <a:pPr lvl="1"/>
+            <a:r>
+              <a:rPr lang="en-US" dirty="0"/>
+              <a:t>How do we isolate an individual’s impact in a team sport? What about the quality of opponents? How about pass vs rush plays?</a:t>
             </a:r>
           </a:p>
           <a:p>
             <a:pPr marL="0" indent="0">
               <a:buNone/>
             </a:pPr>
-            <a:endParaRPr lang="en-US" dirty="0"/>
-          </a:p>
-          <a:p>
-            <a:r>
-              <a:rPr lang="en-US" dirty="0"/>
-              <a:t>Adjustment 1:  Compare EPA on and off the field per player</a:t>
+            <a:endParaRPr lang="en-US" sz="1300" dirty="0"/>
+          </a:p>
+          <a:p>
+            <a:r>
+              <a:rPr lang="en-US" dirty="0"/>
+              <a:t>Adjustment 1:  Compare EPA for each player when they’re on and off the field </a:t>
             </a:r>
           </a:p>
           <a:p>
             <a:pPr lvl="1"/>
             <a:r>
               <a:rPr lang="en-US" dirty="0"/>
-              <a:t>A mediocre player could have inflated EPA stats because their opposition is weak or the teammates around them are great</a:t>
-            </a:r>
-          </a:p>
-          <a:p>
-            <a:pPr lvl="1"/>
-            <a:r>
-              <a:rPr lang="en-US" dirty="0"/>
-              <a:t>Compare EPA when a player is on the field vs when they’re off – neutralizes opponent quality question and isolates individual</a:t>
+              <a:t>Comparing EPA’s when a player is on vs off the field isolates the individual impact and adjusts for opponent quality</a:t>
             </a:r>
           </a:p>
           <a:p>
             <a:pPr lvl="2"/>
             <a:r>
-              <a:rPr lang="en-US" dirty="0"/>
+              <a:rPr lang="en-US" sz="1500" dirty="0"/>
               <a:t>Unfortunately, if a player plays nearly all snaps there isn’t sufficient off-field data for comparison</a:t>
             </a:r>
           </a:p>
           <a:p>
             <a:pPr lvl="2"/>
             <a:r>
-              <a:rPr lang="en-US" dirty="0"/>
+              <a:rPr lang="en-US" sz="1500" dirty="0"/>
               <a:t>Threshold: a player must be off the field for at least 5% of team defensive snaps</a:t>
             </a:r>
           </a:p>
           <a:p>
             <a:pPr lvl="2"/>
-            <a:endParaRPr lang="en-US" dirty="0"/>
+            <a:endParaRPr lang="en-US" sz="1300" dirty="0"/>
           </a:p>
           <a:p>
             <a:r>
@@ -6882,7 +6882,7 @@
             <a:pPr lvl="2"/>
             <a:r>
               <a:rPr lang="en-US" sz="1600" dirty="0"/>
-              <a:t>It may be easier to find a replacement DT and maintain good performance than to find a replacement DE / DT</a:t>
+              <a:t>It may be easier to find a good replacement DT than to find a replacement DE / LB</a:t>
             </a:r>
           </a:p>
           <a:p>
@@ -7376,47 +7376,56 @@
         </p:nvSpPr>
         <p:spPr/>
         <p:txBody>
-          <a:bodyPr anchor="t"/>
+          <a:bodyPr anchor="t">
+            <a:normAutofit lnSpcReduction="10000"/>
+          </a:bodyPr>
           <a:lstStyle/>
           <a:p>
             <a:r>
               <a:rPr lang="en-US" dirty="0"/>
-              <a:t>The questions of ‘most valuable’ position and talent distribution are inherently related</a:t>
-            </a:r>
-          </a:p>
-          <a:p>
-            <a:r>
-              <a:rPr lang="en-US" dirty="0"/>
-              <a:t>All DL positions can have very good pass and rush performance, or equally poor pass and rush performance</a:t>
-            </a:r>
-          </a:p>
-          <a:p>
-            <a:r>
-              <a:rPr lang="en-US" dirty="0"/>
-              <a:t>However, given the differences in performance variation, it is much easier to replace a DT</a:t>
-            </a:r>
-          </a:p>
-          <a:p>
-            <a:r>
-              <a:rPr lang="en-US" dirty="0"/>
-              <a:t>Meaning it is much more important to find and retain high performing DE’s and LB’s</a:t>
+              <a:t>The first two questions of ‘most valuable’ position and talent distribution are inherently related</a:t>
+            </a:r>
+          </a:p>
+          <a:p>
+            <a:r>
+              <a:rPr lang="en-US" dirty="0"/>
+              <a:t>All DL positions can have very good pass and rush performance or have poor pass and rush performance</a:t>
+            </a:r>
+          </a:p>
+          <a:p>
+            <a:r>
+              <a:rPr lang="en-US" dirty="0"/>
+              <a:t>However, given the differences in performance variation, it seems easier to replace a DT</a:t>
+            </a:r>
+          </a:p>
+          <a:p>
+            <a:r>
+              <a:rPr lang="en-US" dirty="0"/>
+              <a:t>Meaning it is much harder (thus more important) to find and retain high performing DE’s and LB’s</a:t>
             </a:r>
           </a:p>
           <a:p>
             <a:pPr lvl="1"/>
             <a:r>
               <a:rPr lang="en-US" dirty="0"/>
-              <a:t>DE’s seem to contribute more in both pass and rush, but bad LB’s can be a greater liability</a:t>
-            </a:r>
-          </a:p>
-          <a:p>
-            <a:r>
-              <a:rPr lang="en-US" dirty="0"/>
-              <a:t>Therefore, to an organization, the most valuable defensive line position is the outside lineman (DE or LB)</a:t>
-            </a:r>
-          </a:p>
-          <a:p>
-            <a:endParaRPr lang="en-US" dirty="0"/>
+              <a:t>DE’s seem to contribute more than LB’s overall, but bad LB’s can be a greater liability</a:t>
+            </a:r>
+          </a:p>
+          <a:p>
+            <a:r>
+              <a:rPr lang="en-US" dirty="0"/>
+              <a:t>Therefore, to an organization, the most valuable defensive line position is the outside lineman</a:t>
+            </a:r>
+          </a:p>
+          <a:p>
+            <a:pPr lvl="1"/>
+            <a:r>
+              <a:rPr lang="en-US" dirty="0"/>
+              <a:t>DE or LB, based on defensive formation</a:t>
+            </a:r>
+          </a:p>
+          <a:p>
+            <a:endParaRPr lang="en-US" sz="1100" dirty="0"/>
           </a:p>
           <a:p>
             <a:r>
@@ -7538,11 +7547,12 @@
               <a:rPr lang="en-US" dirty="0"/>
               <a:t> Quarter situational data, but limiting the data on the already limited ‘adjusted’ dataset left too few points to draw any meaningful statistical conclusions</a:t>
             </a:r>
-          </a:p>
-          <a:p>
-            <a:r>
-              <a:rPr lang="en-US" dirty="0"/>
-              <a:t>Given that the NFL is more of a “passing league”, it leads to the conclusion again that DE’s and LB’s are more important as they make a greater impact on pass plays</a:t>
+            <a:endParaRPr lang="en-US" sz="1200" dirty="0"/>
+          </a:p>
+          <a:p>
+            <a:r>
+              <a:rPr lang="en-US" dirty="0"/>
+              <a:t>Because the NFL is more of a “passing league”, it leads to the conclusion again that DE’s and LB’s are more important as they make a greater impact on pass plays</a:t>
             </a:r>
           </a:p>
           <a:p>
@@ -7551,6 +7561,10 @@
               <a:rPr lang="en-US" dirty="0"/>
               <a:t>However, in 2019 the Ravens, 49ers, Titans, etc. showed that rushing is a strategy for success, so DT’s cannot be overlooked</a:t>
             </a:r>
+          </a:p>
+          <a:p>
+            <a:pPr lvl="1"/>
+            <a:endParaRPr lang="en-US" sz="1200" dirty="0"/>
           </a:p>
           <a:p>
             <a:r>
@@ -7675,7 +7689,7 @@
             </a:r>
           </a:p>
           <a:p>
-            <a:endParaRPr lang="en-US" dirty="0"/>
+            <a:endParaRPr lang="en-US" sz="1200" dirty="0"/>
           </a:p>
           <a:p>
             <a:r>
